--- a/JavaScript Powerpoint.pptx
+++ b/JavaScript Powerpoint.pptx
@@ -10,6 +10,7 @@
     <p:sldId id="258" r:id="rId4"/>
     <p:sldId id="259" r:id="rId5"/>
     <p:sldId id="260" r:id="rId6"/>
+    <p:sldId id="261" r:id="rId7"/>
   </p:sldIdLst>
   <p:sldSz cx="12192000" cy="6858000"/>
   <p:notesSz cx="6858000" cy="9144000"/>
@@ -108,6 +109,11 @@
       </a:defRPr>
     </a:lvl9pPr>
   </p:defaultTextStyle>
+  <p:extLst>
+    <p:ext uri="{EFAFB233-063F-42B5-8137-9DF3F51BA10A}">
+      <p15:sldGuideLst xmlns:p15="http://schemas.microsoft.com/office/powerpoint/2012/main"/>
+    </p:ext>
+  </p:extLst>
 </p:presentation>
 </file>
 
@@ -258,7 +264,7 @@
           <a:p>
             <a:fld id="{5DCE374A-1F2E-4586-AB21-1B0F7DCE11FA}" type="datetimeFigureOut">
               <a:rPr lang="nl-NL" smtClean="0"/>
-              <a:t>26-10-2022</a:t>
+              <a:t>1-11-2022</a:t>
             </a:fld>
             <a:endParaRPr lang="nl-NL"/>
           </a:p>
@@ -456,7 +462,7 @@
           <a:p>
             <a:fld id="{5DCE374A-1F2E-4586-AB21-1B0F7DCE11FA}" type="datetimeFigureOut">
               <a:rPr lang="nl-NL" smtClean="0"/>
-              <a:t>26-10-2022</a:t>
+              <a:t>1-11-2022</a:t>
             </a:fld>
             <a:endParaRPr lang="nl-NL"/>
           </a:p>
@@ -664,7 +670,7 @@
           <a:p>
             <a:fld id="{5DCE374A-1F2E-4586-AB21-1B0F7DCE11FA}" type="datetimeFigureOut">
               <a:rPr lang="nl-NL" smtClean="0"/>
-              <a:t>26-10-2022</a:t>
+              <a:t>1-11-2022</a:t>
             </a:fld>
             <a:endParaRPr lang="nl-NL"/>
           </a:p>
@@ -862,7 +868,7 @@
           <a:p>
             <a:fld id="{5DCE374A-1F2E-4586-AB21-1B0F7DCE11FA}" type="datetimeFigureOut">
               <a:rPr lang="nl-NL" smtClean="0"/>
-              <a:t>26-10-2022</a:t>
+              <a:t>1-11-2022</a:t>
             </a:fld>
             <a:endParaRPr lang="nl-NL"/>
           </a:p>
@@ -1137,7 +1143,7 @@
           <a:p>
             <a:fld id="{5DCE374A-1F2E-4586-AB21-1B0F7DCE11FA}" type="datetimeFigureOut">
               <a:rPr lang="nl-NL" smtClean="0"/>
-              <a:t>26-10-2022</a:t>
+              <a:t>1-11-2022</a:t>
             </a:fld>
             <a:endParaRPr lang="nl-NL"/>
           </a:p>
@@ -1402,7 +1408,7 @@
           <a:p>
             <a:fld id="{5DCE374A-1F2E-4586-AB21-1B0F7DCE11FA}" type="datetimeFigureOut">
               <a:rPr lang="nl-NL" smtClean="0"/>
-              <a:t>26-10-2022</a:t>
+              <a:t>1-11-2022</a:t>
             </a:fld>
             <a:endParaRPr lang="nl-NL"/>
           </a:p>
@@ -1814,7 +1820,7 @@
           <a:p>
             <a:fld id="{5DCE374A-1F2E-4586-AB21-1B0F7DCE11FA}" type="datetimeFigureOut">
               <a:rPr lang="nl-NL" smtClean="0"/>
-              <a:t>26-10-2022</a:t>
+              <a:t>1-11-2022</a:t>
             </a:fld>
             <a:endParaRPr lang="nl-NL"/>
           </a:p>
@@ -1955,7 +1961,7 @@
           <a:p>
             <a:fld id="{5DCE374A-1F2E-4586-AB21-1B0F7DCE11FA}" type="datetimeFigureOut">
               <a:rPr lang="nl-NL" smtClean="0"/>
-              <a:t>26-10-2022</a:t>
+              <a:t>1-11-2022</a:t>
             </a:fld>
             <a:endParaRPr lang="nl-NL"/>
           </a:p>
@@ -2068,7 +2074,7 @@
           <a:p>
             <a:fld id="{5DCE374A-1F2E-4586-AB21-1B0F7DCE11FA}" type="datetimeFigureOut">
               <a:rPr lang="nl-NL" smtClean="0"/>
-              <a:t>26-10-2022</a:t>
+              <a:t>1-11-2022</a:t>
             </a:fld>
             <a:endParaRPr lang="nl-NL"/>
           </a:p>
@@ -2379,7 +2385,7 @@
           <a:p>
             <a:fld id="{5DCE374A-1F2E-4586-AB21-1B0F7DCE11FA}" type="datetimeFigureOut">
               <a:rPr lang="nl-NL" smtClean="0"/>
-              <a:t>26-10-2022</a:t>
+              <a:t>1-11-2022</a:t>
             </a:fld>
             <a:endParaRPr lang="nl-NL"/>
           </a:p>
@@ -2667,7 +2673,7 @@
           <a:p>
             <a:fld id="{5DCE374A-1F2E-4586-AB21-1B0F7DCE11FA}" type="datetimeFigureOut">
               <a:rPr lang="nl-NL" smtClean="0"/>
-              <a:t>26-10-2022</a:t>
+              <a:t>1-11-2022</a:t>
             </a:fld>
             <a:endParaRPr lang="nl-NL"/>
           </a:p>
@@ -2908,7 +2914,7 @@
           <a:p>
             <a:fld id="{5DCE374A-1F2E-4586-AB21-1B0F7DCE11FA}" type="datetimeFigureOut">
               <a:rPr lang="nl-NL" smtClean="0"/>
-              <a:t>26-10-2022</a:t>
+              <a:t>1-11-2022</a:t>
             </a:fld>
             <a:endParaRPr lang="nl-NL"/>
           </a:p>
@@ -3848,13 +3854,13 @@
   <p:clrMapOvr>
     <a:masterClrMapping/>
   </p:clrMapOvr>
-  <mc:AlternateContent xmlns:mc="http://schemas.openxmlformats.org/markup-compatibility/2006">
-    <mc:Choice xmlns:p159="http://schemas.microsoft.com/office/powerpoint/2015/09/main" Requires="p159">
+  <mc:AlternateContent xmlns:mc="http://schemas.openxmlformats.org/markup-compatibility/2006" xmlns:p159="http://schemas.microsoft.com/office/powerpoint/2015/09/main">
+    <mc:Choice Requires="p159">
       <p:transition xmlns:p14="http://schemas.microsoft.com/office/powerpoint/2010/main" spd="slow" p14:dur="2000">
         <p159:morph option="byObject"/>
       </p:transition>
     </mc:Choice>
-    <mc:Fallback>
+    <mc:Fallback xmlns="">
       <p:transition spd="slow">
         <p:fade/>
       </p:transition>
@@ -4247,13 +4253,13 @@
   <p:clrMapOvr>
     <a:masterClrMapping/>
   </p:clrMapOvr>
-  <mc:AlternateContent xmlns:mc="http://schemas.openxmlformats.org/markup-compatibility/2006">
-    <mc:Choice xmlns:p159="http://schemas.microsoft.com/office/powerpoint/2015/09/main" Requires="p159">
+  <mc:AlternateContent xmlns:mc="http://schemas.openxmlformats.org/markup-compatibility/2006" xmlns:p159="http://schemas.microsoft.com/office/powerpoint/2015/09/main">
+    <mc:Choice Requires="p159">
       <p:transition xmlns:p14="http://schemas.microsoft.com/office/powerpoint/2010/main" spd="slow" p14:dur="2000">
         <p159:morph option="byObject"/>
       </p:transition>
     </mc:Choice>
-    <mc:Fallback>
+    <mc:Fallback xmlns="">
       <p:transition spd="slow">
         <p:fade/>
       </p:transition>
@@ -4580,13 +4586,13 @@
   <p:clrMapOvr>
     <a:masterClrMapping/>
   </p:clrMapOvr>
-  <mc:AlternateContent xmlns:mc="http://schemas.openxmlformats.org/markup-compatibility/2006">
-    <mc:Choice xmlns:p159="http://schemas.microsoft.com/office/powerpoint/2015/09/main" Requires="p159">
+  <mc:AlternateContent xmlns:mc="http://schemas.openxmlformats.org/markup-compatibility/2006" xmlns:p159="http://schemas.microsoft.com/office/powerpoint/2015/09/main">
+    <mc:Choice Requires="p159">
       <p:transition xmlns:p14="http://schemas.microsoft.com/office/powerpoint/2010/main" spd="slow" p14:dur="2000">
         <p159:morph option="byObject"/>
       </p:transition>
     </mc:Choice>
-    <mc:Fallback>
+    <mc:Fallback xmlns="">
       <p:transition spd="slow">
         <p:fade/>
       </p:transition>
@@ -4799,6 +4805,178 @@
     <p:extLst>
       <p:ext uri="{BB962C8B-B14F-4D97-AF65-F5344CB8AC3E}">
         <p14:creationId xmlns:p14="http://schemas.microsoft.com/office/powerpoint/2010/main" val="596841417"/>
+      </p:ext>
+    </p:extLst>
+  </p:cSld>
+  <p:clrMapOvr>
+    <a:masterClrMapping/>
+  </p:clrMapOvr>
+  <mc:AlternateContent xmlns:mc="http://schemas.openxmlformats.org/markup-compatibility/2006" xmlns:p159="http://schemas.microsoft.com/office/powerpoint/2015/09/main">
+    <mc:Choice Requires="p159">
+      <p:transition xmlns:p14="http://schemas.microsoft.com/office/powerpoint/2010/main" spd="slow" p14:dur="2000">
+        <p159:morph option="byObject"/>
+      </p:transition>
+    </mc:Choice>
+    <mc:Fallback xmlns="">
+      <p:transition spd="slow">
+        <p:fade/>
+      </p:transition>
+    </mc:Fallback>
+  </mc:AlternateContent>
+</p:sld>
+</file>
+
+<file path=ppt/slides/slide6.xml><?xml version="1.0" encoding="utf-8"?>
+<p:sld xmlns:a="http://schemas.openxmlformats.org/drawingml/2006/main" xmlns:r="http://schemas.openxmlformats.org/officeDocument/2006/relationships" xmlns:p="http://schemas.openxmlformats.org/presentationml/2006/main">
+  <p:cSld>
+    <p:bg>
+      <p:bgPr>
+        <a:solidFill>
+          <a:schemeClr val="accent4">
+            <a:lumMod val="60000"/>
+            <a:lumOff val="40000"/>
+          </a:schemeClr>
+        </a:solidFill>
+        <a:effectLst/>
+      </p:bgPr>
+    </p:bg>
+    <p:spTree>
+      <p:nvGrpSpPr>
+        <p:cNvPr id="1" name=""/>
+        <p:cNvGrpSpPr/>
+        <p:nvPr/>
+      </p:nvGrpSpPr>
+      <p:grpSpPr>
+        <a:xfrm>
+          <a:off x="0" y="0"/>
+          <a:ext cx="0" cy="0"/>
+          <a:chOff x="0" y="0"/>
+          <a:chExt cx="0" cy="0"/>
+        </a:xfrm>
+      </p:grpSpPr>
+      <p:sp>
+        <p:nvSpPr>
+          <p:cNvPr id="4" name="Tekstvak 3">
+            <a:extLst>
+              <a:ext uri="{FF2B5EF4-FFF2-40B4-BE49-F238E27FC236}">
+                <a16:creationId xmlns:a16="http://schemas.microsoft.com/office/drawing/2014/main" id="{B20FFAF9-E8E8-8132-7C26-04EF69225EB3}"/>
+              </a:ext>
+            </a:extLst>
+          </p:cNvPr>
+          <p:cNvSpPr txBox="1"/>
+          <p:nvPr/>
+        </p:nvSpPr>
+        <p:spPr>
+          <a:xfrm>
+            <a:off x="7593402" y="2743200"/>
+            <a:ext cx="5195498" cy="4708981"/>
+          </a:xfrm>
+          <a:prstGeom prst="rect">
+            <a:avLst/>
+          </a:prstGeom>
+          <a:noFill/>
+        </p:spPr>
+        <p:txBody>
+          <a:bodyPr wrap="square" rtlCol="0">
+            <a:spAutoFit/>
+          </a:bodyPr>
+          <a:lstStyle/>
+          <a:p>
+            <a:r>
+              <a:rPr lang="nl-NL" sz="30000" dirty="0">
+                <a:latin typeface="Arial" panose="020B0604020202020204" pitchFamily="34" charset="0"/>
+                <a:cs typeface="Arial" panose="020B0604020202020204" pitchFamily="34" charset="0"/>
+              </a:rPr>
+              <a:t>JS</a:t>
+            </a:r>
+          </a:p>
+        </p:txBody>
+      </p:sp>
+      <p:cxnSp>
+        <p:nvCxnSpPr>
+          <p:cNvPr id="6" name="Rechte verbindingslijn 5">
+            <a:extLst>
+              <a:ext uri="{FF2B5EF4-FFF2-40B4-BE49-F238E27FC236}">
+                <a16:creationId xmlns:a16="http://schemas.microsoft.com/office/drawing/2014/main" id="{E1C258CC-4636-A217-C253-E7A0B0AAF5DA}"/>
+              </a:ext>
+            </a:extLst>
+          </p:cNvPr>
+          <p:cNvCxnSpPr>
+            <a:cxnSpLocks/>
+          </p:cNvCxnSpPr>
+          <p:nvPr/>
+        </p:nvCxnSpPr>
+        <p:spPr>
+          <a:xfrm>
+            <a:off x="1336137" y="2743200"/>
+            <a:ext cx="8199749" cy="0"/>
+          </a:xfrm>
+          <a:prstGeom prst="line">
+            <a:avLst/>
+          </a:prstGeom>
+          <a:ln w="38100">
+            <a:solidFill>
+              <a:schemeClr val="tx1"/>
+            </a:solidFill>
+          </a:ln>
+        </p:spPr>
+        <p:style>
+          <a:lnRef idx="1">
+            <a:schemeClr val="accent1"/>
+          </a:lnRef>
+          <a:fillRef idx="0">
+            <a:schemeClr val="accent1"/>
+          </a:fillRef>
+          <a:effectRef idx="0">
+            <a:schemeClr val="accent1"/>
+          </a:effectRef>
+          <a:fontRef idx="minor">
+            <a:schemeClr val="tx1"/>
+          </a:fontRef>
+        </p:style>
+      </p:cxnSp>
+      <p:sp>
+        <p:nvSpPr>
+          <p:cNvPr id="8" name="Tekstvak 7">
+            <a:extLst>
+              <a:ext uri="{FF2B5EF4-FFF2-40B4-BE49-F238E27FC236}">
+                <a16:creationId xmlns:a16="http://schemas.microsoft.com/office/drawing/2014/main" id="{2653CDEF-3A10-16D6-B2E7-464755FAFBD1}"/>
+              </a:ext>
+            </a:extLst>
+          </p:cNvPr>
+          <p:cNvSpPr txBox="1"/>
+          <p:nvPr/>
+        </p:nvSpPr>
+        <p:spPr>
+          <a:xfrm>
+            <a:off x="3783563" y="1542871"/>
+            <a:ext cx="3512500" cy="1200329"/>
+          </a:xfrm>
+          <a:prstGeom prst="rect">
+            <a:avLst/>
+          </a:prstGeom>
+          <a:noFill/>
+        </p:spPr>
+        <p:txBody>
+          <a:bodyPr wrap="none" rtlCol="0">
+            <a:spAutoFit/>
+          </a:bodyPr>
+          <a:lstStyle/>
+          <a:p>
+            <a:r>
+              <a:rPr lang="nl-NL" sz="7200" dirty="0">
+                <a:latin typeface="Courier New" panose="02070309020205020404" pitchFamily="49" charset="0"/>
+                <a:cs typeface="Courier New" panose="02070309020205020404" pitchFamily="49" charset="0"/>
+              </a:rPr>
+              <a:t>Vragen</a:t>
+            </a:r>
+          </a:p>
+        </p:txBody>
+      </p:sp>
+    </p:spTree>
+    <p:extLst>
+      <p:ext uri="{BB962C8B-B14F-4D97-AF65-F5344CB8AC3E}">
+        <p14:creationId xmlns:p14="http://schemas.microsoft.com/office/powerpoint/2010/main" val="1839300866"/>
       </p:ext>
     </p:extLst>
   </p:cSld>
